--- a/GitHubPresentation.pptx
+++ b/GitHubPresentation.pptx
@@ -114,6 +114,11 @@
       </a:defRPr>
     </a:lvl9pPr>
   </p:defaultTextStyle>
+  <p:extLst>
+    <p:ext uri="{EFAFB233-063F-42B5-8137-9DF3F51BA10A}">
+      <p15:sldGuideLst xmlns:p15="http://schemas.microsoft.com/office/powerpoint/2012/main"/>
+    </p:ext>
+  </p:extLst>
 </p:presentation>
 </file>
 
@@ -207,7 +212,7 @@
           <a:p>
             <a:fld id="{F6947B43-90A8-F340-93CB-B973BCC8A56F}" type="datetimeFigureOut">
               <a:rPr lang="en-US" smtClean="0"/>
-              <a:t>8/16/24</a:t>
+              <a:t>8/20/24</a:t>
             </a:fld>
             <a:endParaRPr lang="en-US"/>
           </a:p>
@@ -1326,7 +1331,7 @@
           <a:p>
             <a:fld id="{6444479B-705B-4489-957E-7E8A228BDFA0}" type="datetime1">
               <a:rPr lang="en-US" smtClean="0"/>
-              <a:t>8/16/24</a:t>
+              <a:t>8/20/24</a:t>
             </a:fld>
             <a:endParaRPr lang="en-US"/>
           </a:p>
@@ -1526,7 +1531,7 @@
           <a:p>
             <a:fld id="{C07B66AD-7C08-490A-ADA4-B47E10FB2407}" type="datetime1">
               <a:rPr lang="en-US" smtClean="0"/>
-              <a:t>8/16/24</a:t>
+              <a:t>8/20/24</a:t>
             </a:fld>
             <a:endParaRPr lang="en-US"/>
           </a:p>
@@ -1785,7 +1790,7 @@
           <a:p>
             <a:fld id="{05B95027-4255-49E7-9841-CD21BCC99996}" type="datetime1">
               <a:rPr lang="en-US" smtClean="0"/>
-              <a:t>8/16/24</a:t>
+              <a:t>8/20/24</a:t>
             </a:fld>
             <a:endParaRPr lang="en-US"/>
           </a:p>
@@ -2026,7 +2031,7 @@
           <a:p>
             <a:fld id="{9F89F774-3FA6-43B8-9241-99959C8FD463}" type="datetime1">
               <a:rPr lang="en-US" smtClean="0"/>
-              <a:t>8/16/24</a:t>
+              <a:t>8/20/24</a:t>
             </a:fld>
             <a:endParaRPr lang="en-US"/>
           </a:p>
@@ -2353,7 +2358,7 @@
           <a:p>
             <a:fld id="{F9504452-5DCC-4FE2-A5C9-8A5EF6714D65}" type="datetime1">
               <a:rPr lang="en-US" smtClean="0"/>
-              <a:t>8/16/24</a:t>
+              <a:t>8/20/24</a:t>
             </a:fld>
             <a:endParaRPr lang="en-US"/>
           </a:p>
@@ -2663,7 +2668,7 @@
           <a:p>
             <a:fld id="{E579ABC2-0180-4F3A-A895-A85BC724D472}" type="datetime1">
               <a:rPr lang="en-US" smtClean="0"/>
-              <a:t>8/16/24</a:t>
+              <a:t>8/20/24</a:t>
             </a:fld>
             <a:endParaRPr lang="en-US"/>
           </a:p>
@@ -3081,7 +3086,7 @@
           <a:p>
             <a:fld id="{6AEEA9BA-4E8F-439E-BEA4-91FBA01E3F5F}" type="datetime1">
               <a:rPr lang="en-US" smtClean="0"/>
-              <a:t>8/16/24</a:t>
+              <a:t>8/20/24</a:t>
             </a:fld>
             <a:endParaRPr lang="en-US"/>
           </a:p>
@@ -3223,7 +3228,7 @@
           <a:p>
             <a:fld id="{BE15BF18-0007-481C-AA29-413124BC3EE7}" type="datetime1">
               <a:rPr lang="en-US" smtClean="0"/>
-              <a:t>8/16/24</a:t>
+              <a:t>8/20/24</a:t>
             </a:fld>
             <a:endParaRPr lang="en-US"/>
           </a:p>
@@ -3385,7 +3390,7 @@
           <a:p>
             <a:fld id="{09BE9870-3748-43AD-B547-02A075CB4A1D}" type="datetime1">
               <a:rPr lang="en-US" smtClean="0"/>
-              <a:t>8/16/24</a:t>
+              <a:t>8/20/24</a:t>
             </a:fld>
             <a:endParaRPr lang="en-US"/>
           </a:p>
@@ -3702,7 +3707,7 @@
           <a:p>
             <a:fld id="{558E7897-33C5-4F1A-9307-D068E37F3DC7}" type="datetime1">
               <a:rPr lang="en-US" smtClean="0"/>
-              <a:t>8/16/24</a:t>
+              <a:t>8/20/24</a:t>
             </a:fld>
             <a:endParaRPr lang="en-US"/>
           </a:p>
@@ -3997,7 +4002,7 @@
           <a:p>
             <a:fld id="{82E171BA-CC09-47C8-A6DF-F5C5CB59CEEC}" type="datetime1">
               <a:rPr lang="en-US" smtClean="0"/>
-              <a:t>8/16/24</a:t>
+              <a:t>8/20/24</a:t>
             </a:fld>
             <a:endParaRPr lang="en-US"/>
           </a:p>
@@ -4238,7 +4243,7 @@
           <a:p>
             <a:fld id="{7DA38F49-B3E2-4BF0-BEC7-C30D34ABBB8D}" type="datetime1">
               <a:rPr lang="en-US" smtClean="0"/>
-              <a:t>8/16/24</a:t>
+              <a:t>8/20/24</a:t>
             </a:fld>
             <a:endParaRPr lang="en-US"/>
           </a:p>
@@ -4756,7 +4761,7 @@
       </p:grpSpPr>
       <p:sp useBgFill="1">
         <p:nvSpPr>
-          <p:cNvPr id="9" name="Rectangle 8">
+          <p:cNvPr id="16" name="Rectangle 15">
             <a:extLst>
               <a:ext uri="{FF2B5EF4-FFF2-40B4-BE49-F238E27FC236}">
                 <a16:creationId xmlns:a16="http://schemas.microsoft.com/office/drawing/2014/main" id="{19F9BF86-FE94-4517-B97D-026C7515E589}"/>
@@ -4825,107 +4830,8 @@
           <a:bodyPr rtlCol="0" anchor="ctr"/>
           <a:lstStyle/>
           <a:p>
-            <a:pPr marL="0" marR="0" lvl="0" indent="0" algn="ctr" defTabSz="914400" rtl="0" eaLnBrk="1" fontAlgn="auto" latinLnBrk="0" hangingPunct="1">
-              <a:lnSpc>
-                <a:spcPct val="100000"/>
-              </a:lnSpc>
-              <a:spcBef>
-                <a:spcPts val="0"/>
-              </a:spcBef>
-              <a:spcAft>
-                <a:spcPts val="0"/>
-              </a:spcAft>
-              <a:buClrTx/>
-              <a:buSzTx/>
-              <a:buFontTx/>
-              <a:buNone/>
-              <a:tabLst/>
-              <a:defRPr/>
-            </a:pPr>
-            <a:endParaRPr kumimoji="0" lang="en-US" sz="1800" b="0" i="0" u="none" strike="noStrike" kern="1200" cap="none" spc="0" normalizeH="0" baseline="0" noProof="0">
-              <a:ln>
-                <a:noFill/>
-              </a:ln>
-              <a:solidFill>
-                <a:prstClr val="white"/>
-              </a:solidFill>
-              <a:effectLst/>
-              <a:uLnTx/>
-              <a:uFillTx/>
-              <a:latin typeface="Grandview Display"/>
-              <a:ea typeface="+mn-ea"/>
-              <a:cs typeface="+mn-cs"/>
-            </a:endParaRPr>
-          </a:p>
-        </p:txBody>
-      </p:sp>
-      <p:sp>
-        <p:nvSpPr>
-          <p:cNvPr id="2" name="Title 1">
-            <a:extLst>
-              <a:ext uri="{FF2B5EF4-FFF2-40B4-BE49-F238E27FC236}">
-                <a16:creationId xmlns:a16="http://schemas.microsoft.com/office/drawing/2014/main" id="{492EAF8C-8C5C-04DB-C359-D6DFDACCFDC2}"/>
-              </a:ext>
-            </a:extLst>
-          </p:cNvPr>
-          <p:cNvSpPr>
-            <a:spLocks noGrp="1"/>
-          </p:cNvSpPr>
-          <p:nvPr>
-            <p:ph type="ctrTitle"/>
-          </p:nvPr>
-        </p:nvSpPr>
-        <p:spPr>
-          <a:xfrm>
-            <a:off x="574400" y="997527"/>
-            <a:ext cx="4053018" cy="3505057"/>
-          </a:xfrm>
-        </p:spPr>
-        <p:txBody>
-          <a:bodyPr anchor="t">
-            <a:normAutofit/>
-          </a:bodyPr>
-          <a:lstStyle/>
-          <a:p>
-            <a:r>
-              <a:rPr lang="en-US" sz="5200"/>
-              <a:t>Introduction to Github</a:t>
-            </a:r>
-          </a:p>
-        </p:txBody>
-      </p:sp>
-      <p:sp>
-        <p:nvSpPr>
-          <p:cNvPr id="3" name="Subtitle 2">
-            <a:extLst>
-              <a:ext uri="{FF2B5EF4-FFF2-40B4-BE49-F238E27FC236}">
-                <a16:creationId xmlns:a16="http://schemas.microsoft.com/office/drawing/2014/main" id="{40ECEBA6-6F6B-BBBC-4F4C-A94DEA08190C}"/>
-              </a:ext>
-            </a:extLst>
-          </p:cNvPr>
-          <p:cNvSpPr>
-            <a:spLocks noGrp="1"/>
-          </p:cNvSpPr>
-          <p:nvPr>
-            <p:ph type="subTitle" idx="1"/>
-          </p:nvPr>
-        </p:nvSpPr>
-        <p:spPr>
-          <a:xfrm>
-            <a:off x="574399" y="4608945"/>
-            <a:ext cx="3919961" cy="1334655"/>
-          </a:xfrm>
-        </p:spPr>
-        <p:txBody>
-          <a:bodyPr anchor="b">
-            <a:normAutofit/>
-          </a:bodyPr>
-          <a:lstStyle/>
-          <a:p>
-            <a:r>
-              <a:rPr lang="en-US"/>
-              <a:t>The basics of code collaboration and version control</a:t>
-            </a:r>
+            <a:pPr algn="ctr"/>
+            <a:endParaRPr lang="en-US"/>
           </a:p>
         </p:txBody>
       </p:sp>
@@ -4945,34 +4851,34 @@
         </p:nvPicPr>
         <p:blipFill>
           <a:blip r:embed="rId3"/>
-          <a:srcRect l="11752" r="5074" b="-1"/>
+          <a:srcRect t="12835" b="2895"/>
           <a:stretch/>
         </p:blipFill>
         <p:spPr>
           <a:xfrm>
-            <a:off x="5218980" y="672912"/>
-            <a:ext cx="6973019" cy="5596128"/>
+            <a:off x="20" y="10"/>
+            <a:ext cx="12191979" cy="6857989"/>
           </a:xfrm>
           <a:prstGeom prst="rect">
             <a:avLst/>
           </a:prstGeom>
         </p:spPr>
       </p:pic>
-      <p:cxnSp>
-        <p:nvCxnSpPr>
-          <p:cNvPr id="11" name="Straight Connector 10">
-            <a:extLst>
-              <a:ext uri="{FF2B5EF4-FFF2-40B4-BE49-F238E27FC236}">
-                <a16:creationId xmlns:a16="http://schemas.microsoft.com/office/drawing/2014/main" id="{7CC73A33-65FF-41A9-A3B0-006753CD1028}"/>
+      <p:sp>
+        <p:nvSpPr>
+          <p:cNvPr id="18" name="Rectangle 17">
+            <a:extLst>
+              <a:ext uri="{FF2B5EF4-FFF2-40B4-BE49-F238E27FC236}">
+                <a16:creationId xmlns:a16="http://schemas.microsoft.com/office/drawing/2014/main" id="{9E9D00D9-C4F5-471E-BE2C-126CB112A6BD}"/>
               </a:ext>
               <a:ext uri="{C183D7F6-B498-43B3-948B-1728B52AA6E4}">
                 <adec:decorative xmlns:adec="http://schemas.microsoft.com/office/drawing/2017/decorative" val="1"/>
               </a:ext>
             </a:extLst>
           </p:cNvPr>
-          <p:cNvCxnSpPr>
-            <a:cxnSpLocks noGrp="1" noRot="1" noChangeAspect="1" noMove="1" noResize="1" noEditPoints="1" noAdjustHandles="1" noChangeArrowheads="1" noChangeShapeType="1"/>
-          </p:cNvCxnSpPr>
+          <p:cNvSpPr>
+            <a:spLocks noGrp="1" noRot="1" noChangeAspect="1" noMove="1" noResize="1" noEditPoints="1" noAdjustHandles="1" noChangeArrowheads="1" noChangeShapeType="1" noTextEdit="1"/>
+          </p:cNvSpPr>
           <p:nvPr>
             <p:extLst>
               <p:ext uri="{386F3935-93C4-4BCD-93E2-E3B085C9AB24}">
@@ -4980,16 +4886,184 @@
               </p:ext>
             </p:extLst>
           </p:nvPr>
+        </p:nvSpPr>
+        <p:spPr>
+          <a:xfrm>
+            <a:off x="-406" y="0"/>
+            <a:ext cx="8543515" cy="6858000"/>
+          </a:xfrm>
+          <a:prstGeom prst="rect">
+            <a:avLst/>
+          </a:prstGeom>
+          <a:gradFill flip="none" rotWithShape="1">
+            <a:gsLst>
+              <a:gs pos="0">
+                <a:srgbClr val="000000">
+                  <a:alpha val="0"/>
+                </a:srgbClr>
+              </a:gs>
+              <a:gs pos="58000">
+                <a:srgbClr val="000000">
+                  <a:alpha val="55000"/>
+                </a:srgbClr>
+              </a:gs>
+              <a:gs pos="93000">
+                <a:srgbClr val="000000">
+                  <a:alpha val="64000"/>
+                </a:srgbClr>
+              </a:gs>
+            </a:gsLst>
+            <a:lin ang="10800000" scaled="1"/>
+            <a:tileRect/>
+          </a:gradFill>
+          <a:ln>
+            <a:noFill/>
+          </a:ln>
+        </p:spPr>
+        <p:style>
+          <a:lnRef idx="2">
+            <a:schemeClr val="accent1">
+              <a:shade val="50000"/>
+            </a:schemeClr>
+          </a:lnRef>
+          <a:fillRef idx="1">
+            <a:schemeClr val="accent1"/>
+          </a:fillRef>
+          <a:effectRef idx="0">
+            <a:schemeClr val="accent1"/>
+          </a:effectRef>
+          <a:fontRef idx="minor">
+            <a:schemeClr val="lt1"/>
+          </a:fontRef>
+        </p:style>
+        <p:txBody>
+          <a:bodyPr rtlCol="0" anchor="ctr"/>
+          <a:lstStyle/>
+          <a:p>
+            <a:pPr algn="ctr"/>
+            <a:endParaRPr lang="en-US"/>
+          </a:p>
+        </p:txBody>
+      </p:sp>
+      <p:sp>
+        <p:nvSpPr>
+          <p:cNvPr id="2" name="Title 1">
+            <a:extLst>
+              <a:ext uri="{FF2B5EF4-FFF2-40B4-BE49-F238E27FC236}">
+                <a16:creationId xmlns:a16="http://schemas.microsoft.com/office/drawing/2014/main" id="{492EAF8C-8C5C-04DB-C359-D6DFDACCFDC2}"/>
+              </a:ext>
+            </a:extLst>
+          </p:cNvPr>
+          <p:cNvSpPr>
+            <a:spLocks noGrp="1"/>
+          </p:cNvSpPr>
+          <p:nvPr>
+            <p:ph type="ctrTitle"/>
+          </p:nvPr>
+        </p:nvSpPr>
+        <p:spPr>
+          <a:xfrm>
+            <a:off x="640080" y="914400"/>
+            <a:ext cx="4892948" cy="3427867"/>
+          </a:xfrm>
+        </p:spPr>
+        <p:txBody>
+          <a:bodyPr anchor="t">
+            <a:normAutofit/>
+          </a:bodyPr>
+          <a:lstStyle/>
+          <a:p>
+            <a:r>
+              <a:rPr lang="en-US">
+                <a:solidFill>
+                  <a:srgbClr val="FFFFFF"/>
+                </a:solidFill>
+              </a:rPr>
+              <a:t>Introduction to Github</a:t>
+            </a:r>
+          </a:p>
+        </p:txBody>
+      </p:sp>
+      <p:sp>
+        <p:nvSpPr>
+          <p:cNvPr id="3" name="Subtitle 2">
+            <a:extLst>
+              <a:ext uri="{FF2B5EF4-FFF2-40B4-BE49-F238E27FC236}">
+                <a16:creationId xmlns:a16="http://schemas.microsoft.com/office/drawing/2014/main" id="{40ECEBA6-6F6B-BBBC-4F4C-A94DEA08190C}"/>
+              </a:ext>
+            </a:extLst>
+          </p:cNvPr>
+          <p:cNvSpPr>
+            <a:spLocks noGrp="1"/>
+          </p:cNvSpPr>
+          <p:nvPr>
+            <p:ph type="subTitle" idx="1"/>
+          </p:nvPr>
+        </p:nvSpPr>
+        <p:spPr>
+          <a:xfrm>
+            <a:off x="650970" y="5253051"/>
+            <a:ext cx="4892948" cy="812923"/>
+          </a:xfrm>
+        </p:spPr>
+        <p:txBody>
+          <a:bodyPr anchor="t">
+            <a:normAutofit/>
+          </a:bodyPr>
+          <a:lstStyle/>
+          <a:p>
+            <a:pPr>
+              <a:lnSpc>
+                <a:spcPct val="120000"/>
+              </a:lnSpc>
+            </a:pPr>
+            <a:r>
+              <a:rPr lang="en-US" sz="1500">
+                <a:solidFill>
+                  <a:srgbClr val="FFFFFF"/>
+                </a:solidFill>
+              </a:rPr>
+              <a:t>The basics of code collaboration and version control</a:t>
+            </a:r>
+          </a:p>
+        </p:txBody>
+      </p:sp>
+      <p:cxnSp>
+        <p:nvCxnSpPr>
+          <p:cNvPr id="20" name="Straight Connector 19">
+            <a:extLst>
+              <a:ext uri="{FF2B5EF4-FFF2-40B4-BE49-F238E27FC236}">
+                <a16:creationId xmlns:a16="http://schemas.microsoft.com/office/drawing/2014/main" id="{97CC2FE6-3AD0-4131-B4BC-1F4D65E25E13}"/>
+              </a:ext>
+              <a:ext uri="{C183D7F6-B498-43B3-948B-1728B52AA6E4}">
+                <adec:decorative xmlns:adec="http://schemas.microsoft.com/office/drawing/2017/decorative" val="1"/>
+              </a:ext>
+            </a:extLst>
+          </p:cNvPr>
+          <p:cNvCxnSpPr>
+            <a:cxnSpLocks noGrp="1" noRot="1" noChangeAspect="1" noMove="1" noResize="1" noEditPoints="1" noAdjustHandles="1" noChangeArrowheads="1" noChangeShapeType="1"/>
+          </p:cNvCxnSpPr>
+          <p:nvPr>
+            <p:extLst>
+              <p:ext uri="{386F3935-93C4-4BCD-93E2-E3B085C9AB24}">
+                <p16:designElem xmlns:p16="http://schemas.microsoft.com/office/powerpoint/2015/main" val="1"/>
+              </p:ext>
+            </p:extLst>
+          </p:nvPr>
         </p:nvCxnSpPr>
         <p:spPr>
-          <a:xfrm flipH="1">
-            <a:off x="5215128" y="6274446"/>
-            <a:ext cx="6976872" cy="0"/>
+          <a:xfrm>
+            <a:off x="723209" y="4861206"/>
+            <a:ext cx="978862" cy="0"/>
           </a:xfrm>
           <a:prstGeom prst="line">
             <a:avLst/>
           </a:prstGeom>
-          <a:ln w="76200"/>
+          <a:ln w="76200">
+            <a:solidFill>
+              <a:schemeClr val="accent1"/>
+            </a:solidFill>
+          </a:ln>
         </p:spPr>
         <p:style>
           <a:lnRef idx="1">
@@ -5014,7 +5088,7 @@
     </p:extLst>
   </p:cSld>
   <p:clrMapOvr>
-    <a:masterClrMapping/>
+    <a:overrideClrMapping bg1="dk1" tx1="lt1" bg2="dk2" tx2="lt2" accent1="accent1" accent2="accent2" accent3="accent3" accent4="accent4" accent5="accent5" accent6="accent6" hlink="hlink" folHlink="folHlink"/>
   </p:clrMapOvr>
   <p:timing>
     <p:tnLst>
@@ -5224,7 +5298,7 @@
       </p:grpSpPr>
       <p:cxnSp>
         <p:nvCxnSpPr>
-          <p:cNvPr id="10" name="Straight Connector 9">
+          <p:cNvPr id="19" name="Straight Connector 18">
             <a:extLst>
               <a:ext uri="{FF2B5EF4-FFF2-40B4-BE49-F238E27FC236}">
                 <a16:creationId xmlns:a16="http://schemas.microsoft.com/office/drawing/2014/main" id="{118E06E4-607B-144B-382B-AD3D06B1EE8C}"/>
@@ -5272,10 +5346,10 @@
       </p:cxnSp>
       <p:sp useBgFill="1">
         <p:nvSpPr>
-          <p:cNvPr id="12" name="Rectangle 11">
-            <a:extLst>
-              <a:ext uri="{FF2B5EF4-FFF2-40B4-BE49-F238E27FC236}">
-                <a16:creationId xmlns:a16="http://schemas.microsoft.com/office/drawing/2014/main" id="{8FCE029E-5073-4498-8104-8427AA987352}"/>
+          <p:cNvPr id="21" name="Rectangle 20">
+            <a:extLst>
+              <a:ext uri="{FF2B5EF4-FFF2-40B4-BE49-F238E27FC236}">
+                <a16:creationId xmlns:a16="http://schemas.microsoft.com/office/drawing/2014/main" id="{744CAA32-F237-419C-A2DD-43C28D920D3C}"/>
               </a:ext>
               <a:ext uri="{C183D7F6-B498-43B3-948B-1728B52AA6E4}">
                 <adec:decorative xmlns:adec="http://schemas.microsoft.com/office/drawing/2017/decorative" val="1"/>
@@ -5341,37 +5415,8 @@
           <a:bodyPr rtlCol="0" anchor="ctr"/>
           <a:lstStyle/>
           <a:p>
-            <a:pPr marL="0" marR="0" lvl="0" indent="0" algn="ctr" defTabSz="914400" rtl="0" eaLnBrk="1" fontAlgn="auto" latinLnBrk="0" hangingPunct="1">
-              <a:lnSpc>
-                <a:spcPct val="100000"/>
-              </a:lnSpc>
-              <a:spcBef>
-                <a:spcPts val="0"/>
-              </a:spcBef>
-              <a:spcAft>
-                <a:spcPts val="0"/>
-              </a:spcAft>
-              <a:buClrTx/>
-              <a:buSzTx/>
-              <a:buFontTx/>
-              <a:buNone/>
-              <a:tabLst/>
-              <a:defRPr/>
-            </a:pPr>
-            <a:endParaRPr kumimoji="0" lang="en-US" sz="1800" b="0" i="0" u="none" strike="noStrike" kern="1200" cap="none" spc="0" normalizeH="0" baseline="0" noProof="0">
-              <a:ln>
-                <a:noFill/>
-              </a:ln>
-              <a:solidFill>
-                <a:prstClr val="white"/>
-              </a:solidFill>
-              <a:effectLst/>
-              <a:uLnTx/>
-              <a:uFillTx/>
-              <a:latin typeface="Grandview Display"/>
-              <a:ea typeface="+mn-ea"/>
-              <a:cs typeface="+mn-cs"/>
-            </a:endParaRPr>
+            <a:pPr algn="ctr"/>
+            <a:endParaRPr lang="en-US"/>
           </a:p>
         </p:txBody>
       </p:sp>
@@ -5393,13 +5438,13 @@
         </p:nvPicPr>
         <p:blipFill>
           <a:blip r:embed="rId3"/>
-          <a:srcRect l="10498" r="1" b="1"/>
+          <a:srcRect l="47242" r="5475" b="-1"/>
           <a:stretch/>
         </p:blipFill>
         <p:spPr>
           <a:xfrm>
-            <a:off x="1" y="2613892"/>
-            <a:ext cx="4946906" cy="3689359"/>
+            <a:off x="20" y="10"/>
+            <a:ext cx="4857871" cy="6857990"/>
           </a:xfrm>
           <a:prstGeom prst="rect">
             <a:avLst/>
@@ -5408,10 +5453,10 @@
       </p:pic>
       <p:cxnSp>
         <p:nvCxnSpPr>
-          <p:cNvPr id="14" name="Straight Connector 13">
-            <a:extLst>
-              <a:ext uri="{FF2B5EF4-FFF2-40B4-BE49-F238E27FC236}">
-                <a16:creationId xmlns:a16="http://schemas.microsoft.com/office/drawing/2014/main" id="{BEFF515C-2521-4964-9DAC-2BFB8EC86AE4}"/>
+          <p:cNvPr id="23" name="Straight Connector 22">
+            <a:extLst>
+              <a:ext uri="{FF2B5EF4-FFF2-40B4-BE49-F238E27FC236}">
+                <a16:creationId xmlns:a16="http://schemas.microsoft.com/office/drawing/2014/main" id="{691422F5-4221-4812-AFD9-5479C6D60AD9}"/>
               </a:ext>
               <a:ext uri="{C183D7F6-B498-43B3-948B-1728B52AA6E4}">
                 <adec:decorative xmlns:adec="http://schemas.microsoft.com/office/drawing/2017/decorative" val="1"/>
@@ -5430,9 +5475,9 @@
           </p:nvPr>
         </p:nvCxnSpPr>
         <p:spPr>
-          <a:xfrm flipV="1">
-            <a:off x="0" y="6274446"/>
-            <a:ext cx="4946904" cy="1"/>
+          <a:xfrm>
+            <a:off x="5580905" y="1031005"/>
+            <a:ext cx="978862" cy="0"/>
           </a:xfrm>
           <a:prstGeom prst="line">
             <a:avLst/>
@@ -5472,8 +5517,8 @@
         </p:nvSpPr>
         <p:spPr>
           <a:xfrm>
-            <a:off x="640080" y="914401"/>
-            <a:ext cx="4306824" cy="1477817"/>
+            <a:off x="5496821" y="1371600"/>
+            <a:ext cx="6034187" cy="1097280"/>
           </a:xfrm>
         </p:spPr>
         <p:txBody>
@@ -5517,8 +5562,8 @@
         </p:nvSpPr>
         <p:spPr>
           <a:xfrm>
-            <a:off x="5641848" y="1014984"/>
-            <a:ext cx="5889161" cy="5288267"/>
+            <a:off x="5496821" y="2633236"/>
+            <a:ext cx="6034187" cy="3664687"/>
           </a:xfrm>
         </p:spPr>
         <p:txBody>
@@ -5537,7 +5582,7 @@
               <a:buNone/>
             </a:pPr>
             <a:r>
-              <a:rPr lang="en-US" sz="1400" b="1"/>
+              <a:rPr lang="en-US" sz="1000" b="1"/>
               <a:t>Creating a Github Account</a:t>
             </a:r>
           </a:p>
@@ -5549,7 +5594,7 @@
               <a:buNone/>
             </a:pPr>
             <a:r>
-              <a:rPr lang="en-US" sz="1400"/>
+              <a:rPr lang="en-US" sz="1000"/>
               <a:t>The first step to using Github is to create an account. We will cover how to create an account and the benefits of having a Github account.</a:t>
             </a:r>
           </a:p>
@@ -5564,7 +5609,7 @@
               <a:buNone/>
             </a:pPr>
             <a:r>
-              <a:rPr lang="en-US" sz="1400" b="1"/>
+              <a:rPr lang="en-US" sz="1000" b="1"/>
               <a:t>Creating a Repository</a:t>
             </a:r>
           </a:p>
@@ -5576,7 +5621,7 @@
               <a:buNone/>
             </a:pPr>
             <a:r>
-              <a:rPr lang="en-US" sz="1400"/>
+              <a:rPr lang="en-US" sz="1000"/>
               <a:t>Once we have a Github account, we can create a repository to store our code and collaborate with others. We will cover how to create a repository and the different options available.</a:t>
             </a:r>
           </a:p>
@@ -5591,7 +5636,7 @@
               <a:buNone/>
             </a:pPr>
             <a:r>
-              <a:rPr lang="en-US" sz="1400" b="1"/>
+              <a:rPr lang="en-US" sz="1000" b="1"/>
               <a:t>Installing Github</a:t>
             </a:r>
           </a:p>
@@ -5603,7 +5648,7 @@
               <a:buNone/>
             </a:pPr>
             <a:r>
-              <a:rPr lang="en-US" sz="1400"/>
+              <a:rPr lang="en-US" sz="1000"/>
               <a:t>In order to use Github, we need to install Github on our machine. We will cover the different options available and how to install Github on Windows and Mac.</a:t>
             </a:r>
           </a:p>
@@ -5618,7 +5663,7 @@
               <a:buNone/>
             </a:pPr>
             <a:r>
-              <a:rPr lang="en-US" sz="1400" b="1"/>
+              <a:rPr lang="en-US" sz="1000" b="1"/>
               <a:t>Cloning, Making Changes, and Uploading to Github</a:t>
             </a:r>
           </a:p>
@@ -5630,7 +5675,7 @@
               <a:buNone/>
             </a:pPr>
             <a:r>
-              <a:rPr lang="en-US" sz="1400"/>
+              <a:rPr lang="en-US" sz="1000"/>
               <a:t>Once we have a repository and Github installed, we can clone the repository to our local machine, make changes to the code, and upload it to Github. We will cover how to do all of these steps and demonstrate the process.</a:t>
             </a:r>
           </a:p>
